--- a/lnpaper/quasistatic_1p/Presentation1.pptx
+++ b/lnpaper/quasistatic_1p/Presentation1.pptx
@@ -7,7 +7,7 @@
   <p:sldIdLst>
     <p:sldId id="256" r:id="rId2"/>
     <p:sldId id="257" r:id="rId3"/>
-    <p:sldId id="258" r:id="rId4"/>
+    <p:sldId id="259" r:id="rId4"/>
   </p:sldIdLst>
   <p:sldSz cx="12192000" cy="6858000"/>
   <p:notesSz cx="6858000" cy="9144000"/>
@@ -106,6 +106,11 @@
       </a:defRPr>
     </a:lvl9pPr>
   </p:defaultTextStyle>
+  <p:extLst>
+    <p:ext uri="{EFAFB233-063F-42B5-8137-9DF3F51BA10A}">
+      <p15:sldGuideLst xmlns:p15="http://schemas.microsoft.com/office/powerpoint/2012/main"/>
+    </p:ext>
+  </p:extLst>
 </p:presentation>
 </file>
 
@@ -256,7 +261,7 @@
           <a:p>
             <a:fld id="{3986AABC-9B16-47A1-BEC9-0B00DB65B374}" type="datetimeFigureOut">
               <a:rPr lang="en-US" smtClean="0"/>
-              <a:t>6/20/2022</a:t>
+              <a:t>6/25/2022</a:t>
             </a:fld>
             <a:endParaRPr lang="en-US"/>
           </a:p>
@@ -454,7 +459,7 @@
           <a:p>
             <a:fld id="{3986AABC-9B16-47A1-BEC9-0B00DB65B374}" type="datetimeFigureOut">
               <a:rPr lang="en-US" smtClean="0"/>
-              <a:t>6/20/2022</a:t>
+              <a:t>6/25/2022</a:t>
             </a:fld>
             <a:endParaRPr lang="en-US"/>
           </a:p>
@@ -662,7 +667,7 @@
           <a:p>
             <a:fld id="{3986AABC-9B16-47A1-BEC9-0B00DB65B374}" type="datetimeFigureOut">
               <a:rPr lang="en-US" smtClean="0"/>
-              <a:t>6/20/2022</a:t>
+              <a:t>6/25/2022</a:t>
             </a:fld>
             <a:endParaRPr lang="en-US"/>
           </a:p>
@@ -860,7 +865,7 @@
           <a:p>
             <a:fld id="{3986AABC-9B16-47A1-BEC9-0B00DB65B374}" type="datetimeFigureOut">
               <a:rPr lang="en-US" smtClean="0"/>
-              <a:t>6/20/2022</a:t>
+              <a:t>6/25/2022</a:t>
             </a:fld>
             <a:endParaRPr lang="en-US"/>
           </a:p>
@@ -1135,7 +1140,7 @@
           <a:p>
             <a:fld id="{3986AABC-9B16-47A1-BEC9-0B00DB65B374}" type="datetimeFigureOut">
               <a:rPr lang="en-US" smtClean="0"/>
-              <a:t>6/20/2022</a:t>
+              <a:t>6/25/2022</a:t>
             </a:fld>
             <a:endParaRPr lang="en-US"/>
           </a:p>
@@ -1400,7 +1405,7 @@
           <a:p>
             <a:fld id="{3986AABC-9B16-47A1-BEC9-0B00DB65B374}" type="datetimeFigureOut">
               <a:rPr lang="en-US" smtClean="0"/>
-              <a:t>6/20/2022</a:t>
+              <a:t>6/25/2022</a:t>
             </a:fld>
             <a:endParaRPr lang="en-US"/>
           </a:p>
@@ -1812,7 +1817,7 @@
           <a:p>
             <a:fld id="{3986AABC-9B16-47A1-BEC9-0B00DB65B374}" type="datetimeFigureOut">
               <a:rPr lang="en-US" smtClean="0"/>
-              <a:t>6/20/2022</a:t>
+              <a:t>6/25/2022</a:t>
             </a:fld>
             <a:endParaRPr lang="en-US"/>
           </a:p>
@@ -1953,7 +1958,7 @@
           <a:p>
             <a:fld id="{3986AABC-9B16-47A1-BEC9-0B00DB65B374}" type="datetimeFigureOut">
               <a:rPr lang="en-US" smtClean="0"/>
-              <a:t>6/20/2022</a:t>
+              <a:t>6/25/2022</a:t>
             </a:fld>
             <a:endParaRPr lang="en-US"/>
           </a:p>
@@ -2066,7 +2071,7 @@
           <a:p>
             <a:fld id="{3986AABC-9B16-47A1-BEC9-0B00DB65B374}" type="datetimeFigureOut">
               <a:rPr lang="en-US" smtClean="0"/>
-              <a:t>6/20/2022</a:t>
+              <a:t>6/25/2022</a:t>
             </a:fld>
             <a:endParaRPr lang="en-US"/>
           </a:p>
@@ -2377,7 +2382,7 @@
           <a:p>
             <a:fld id="{3986AABC-9B16-47A1-BEC9-0B00DB65B374}" type="datetimeFigureOut">
               <a:rPr lang="en-US" smtClean="0"/>
-              <a:t>6/20/2022</a:t>
+              <a:t>6/25/2022</a:t>
             </a:fld>
             <a:endParaRPr lang="en-US"/>
           </a:p>
@@ -2665,7 +2670,7 @@
           <a:p>
             <a:fld id="{3986AABC-9B16-47A1-BEC9-0B00DB65B374}" type="datetimeFigureOut">
               <a:rPr lang="en-US" smtClean="0"/>
-              <a:t>6/20/2022</a:t>
+              <a:t>6/25/2022</a:t>
             </a:fld>
             <a:endParaRPr lang="en-US"/>
           </a:p>
@@ -2906,7 +2911,7 @@
           <a:p>
             <a:fld id="{3986AABC-9B16-47A1-BEC9-0B00DB65B374}" type="datetimeFigureOut">
               <a:rPr lang="en-US" smtClean="0"/>
-              <a:t>6/20/2022</a:t>
+              <a:t>6/25/2022</a:t>
             </a:fld>
             <a:endParaRPr lang="en-US"/>
           </a:p>
@@ -3325,10 +3330,10 @@
       </p:grpSpPr>
       <p:pic>
         <p:nvPicPr>
-          <p:cNvPr id="5" name="Picture 4" descr="Chart, line chart&#10;&#10;Description automatically generated">
-            <a:extLst>
-              <a:ext uri="{FF2B5EF4-FFF2-40B4-BE49-F238E27FC236}">
-                <a16:creationId xmlns:a16="http://schemas.microsoft.com/office/drawing/2014/main" id="{9ABE964B-65D8-E48D-3CBE-1CE0A6AEFB5F}"/>
+          <p:cNvPr id="23" name="Picture 22" descr="Chart, line chart&#10;&#10;Description automatically generated">
+            <a:extLst>
+              <a:ext uri="{FF2B5EF4-FFF2-40B4-BE49-F238E27FC236}">
+                <a16:creationId xmlns:a16="http://schemas.microsoft.com/office/drawing/2014/main" id="{3D3C61A9-A74E-F752-67D4-0693A5D3A033}"/>
               </a:ext>
             </a:extLst>
           </p:cNvPr>
@@ -3351,8 +3356,8 @@
         </p:blipFill>
         <p:spPr>
           <a:xfrm>
-            <a:off x="117946" y="1847273"/>
-            <a:ext cx="2843246" cy="4786935"/>
+            <a:off x="8253931" y="1806964"/>
+            <a:ext cx="2667152" cy="4490462"/>
           </a:xfrm>
           <a:prstGeom prst="rect">
             <a:avLst/>
@@ -3361,10 +3366,10 @@
       </p:pic>
       <p:pic>
         <p:nvPicPr>
-          <p:cNvPr id="7" name="Picture 6" descr="Chart, line chart&#10;&#10;Description automatically generated">
-            <a:extLst>
-              <a:ext uri="{FF2B5EF4-FFF2-40B4-BE49-F238E27FC236}">
-                <a16:creationId xmlns:a16="http://schemas.microsoft.com/office/drawing/2014/main" id="{4F18D846-DADF-C7C6-CD66-F0609DB79409}"/>
+          <p:cNvPr id="21" name="Picture 20" descr="Chart, line chart&#10;&#10;Description automatically generated">
+            <a:extLst>
+              <a:ext uri="{FF2B5EF4-FFF2-40B4-BE49-F238E27FC236}">
+                <a16:creationId xmlns:a16="http://schemas.microsoft.com/office/drawing/2014/main" id="{B072CE17-80AD-3BE2-0B26-C9BF09FA6CB9}"/>
               </a:ext>
             </a:extLst>
           </p:cNvPr>
@@ -3387,8 +3392,8 @@
         </p:blipFill>
         <p:spPr>
           <a:xfrm>
-            <a:off x="5721311" y="1847272"/>
-            <a:ext cx="2843246" cy="4786933"/>
+            <a:off x="6200077" y="1815477"/>
+            <a:ext cx="2667152" cy="4490460"/>
           </a:xfrm>
           <a:prstGeom prst="rect">
             <a:avLst/>
@@ -3397,10 +3402,10 @@
       </p:pic>
       <p:pic>
         <p:nvPicPr>
-          <p:cNvPr id="9" name="Picture 8" descr="Chart, line chart&#10;&#10;Description automatically generated">
-            <a:extLst>
-              <a:ext uri="{FF2B5EF4-FFF2-40B4-BE49-F238E27FC236}">
-                <a16:creationId xmlns:a16="http://schemas.microsoft.com/office/drawing/2014/main" id="{47B186FA-6E93-2E98-EB54-938B76B9D309}"/>
+          <p:cNvPr id="8" name="Picture 7" descr="Chart, line chart&#10;&#10;Description automatically generated">
+            <a:extLst>
+              <a:ext uri="{FF2B5EF4-FFF2-40B4-BE49-F238E27FC236}">
+                <a16:creationId xmlns:a16="http://schemas.microsoft.com/office/drawing/2014/main" id="{E2D43500-7123-6F60-728C-C4EFCF9B421B}"/>
               </a:ext>
             </a:extLst>
           </p:cNvPr>
@@ -3423,8 +3428,8 @@
         </p:blipFill>
         <p:spPr>
           <a:xfrm>
-            <a:off x="2961192" y="1842394"/>
-            <a:ext cx="2843247" cy="4786937"/>
+            <a:off x="4130919" y="1806964"/>
+            <a:ext cx="2667152" cy="4490460"/>
           </a:xfrm>
           <a:prstGeom prst="rect">
             <a:avLst/>
@@ -3433,10 +3438,10 @@
       </p:pic>
       <p:pic>
         <p:nvPicPr>
-          <p:cNvPr id="11" name="Picture 10" descr="Chart, line chart&#10;&#10;Description automatically generated">
-            <a:extLst>
-              <a:ext uri="{FF2B5EF4-FFF2-40B4-BE49-F238E27FC236}">
-                <a16:creationId xmlns:a16="http://schemas.microsoft.com/office/drawing/2014/main" id="{0124936E-6368-54B7-9822-0CDAF454D8E5}"/>
+          <p:cNvPr id="4" name="Picture 3">
+            <a:extLst>
+              <a:ext uri="{FF2B5EF4-FFF2-40B4-BE49-F238E27FC236}">
+                <a16:creationId xmlns:a16="http://schemas.microsoft.com/office/drawing/2014/main" id="{0D0BB2BF-6BCF-8C8F-DF52-3754148AD0BA}"/>
               </a:ext>
             </a:extLst>
           </p:cNvPr>
@@ -3446,21 +3451,15 @@
           <p:nvPr/>
         </p:nvPicPr>
         <p:blipFill>
-          <a:blip r:embed="rId5">
-            <a:extLst>
-              <a:ext uri="{28A0092B-C50C-407E-A947-70E740481C1C}">
-                <a14:useLocalDpi xmlns:a14="http://schemas.microsoft.com/office/drawing/2010/main" val="0"/>
-              </a:ext>
-            </a:extLst>
-          </a:blip>
+          <a:blip r:embed="rId5"/>
           <a:stretch>
             <a:fillRect/>
           </a:stretch>
         </p:blipFill>
         <p:spPr>
           <a:xfrm>
-            <a:off x="8571473" y="1842394"/>
-            <a:ext cx="2843247" cy="4786937"/>
+            <a:off x="2066116" y="1796263"/>
+            <a:ext cx="2667152" cy="4490459"/>
           </a:xfrm>
           <a:prstGeom prst="rect">
             <a:avLst/>
@@ -3482,7 +3481,7 @@
         <p:spPr>
           <a:xfrm>
             <a:off x="1625600" y="223793"/>
-            <a:ext cx="8007927" cy="1015663"/>
+            <a:ext cx="8007927" cy="707886"/>
           </a:xfrm>
           <a:prstGeom prst="rect">
             <a:avLst/>
@@ -3495,6 +3494,14 @@
           </a:bodyPr>
           <a:lstStyle/>
           <a:p>
+            <a:r>
+              <a:rPr lang="en-US" sz="2000" b="1" dirty="0">
+                <a:solidFill>
+                  <a:srgbClr val="FF0000"/>
+                </a:solidFill>
+              </a:rPr>
+              <a:t>1. </a:t>
+            </a:r>
             <a:r>
               <a:rPr lang="en-US" sz="2000" dirty="0"/>
               <a:t>Starting At </a:t>
@@ -3527,16 +3534,6 @@
             </a:r>
             <a:endParaRPr lang="en-US" sz="2000" dirty="0"/>
           </a:p>
-          <a:p>
-            <a:r>
-              <a:rPr lang="en-US" sz="2000" dirty="0">
-                <a:solidFill>
-                  <a:srgbClr val="FF0000"/>
-                </a:solidFill>
-              </a:rPr>
-              <a:t>a: Xiaoyu; b:Mark F</a:t>
-            </a:r>
-          </a:p>
         </p:txBody>
       </p:sp>
       <p:sp>
@@ -3553,7 +3550,7 @@
         </p:nvSpPr>
         <p:spPr>
           <a:xfrm>
-            <a:off x="871268" y="1449238"/>
+            <a:off x="789764" y="1448333"/>
             <a:ext cx="1992702" cy="369332"/>
           </a:xfrm>
           <a:prstGeom prst="rect">
@@ -3573,7 +3570,7 @@
             </a:r>
             <a:r>
               <a:rPr lang="en-US" dirty="0"/>
-              <a:t>=0.01Omega</a:t>
+              <a:t>=0.005Omega</a:t>
             </a:r>
           </a:p>
         </p:txBody>
@@ -3592,7 +3589,7 @@
         </p:nvSpPr>
         <p:spPr>
           <a:xfrm>
-            <a:off x="6387563" y="1475501"/>
+            <a:off x="7052326" y="1475501"/>
             <a:ext cx="1992702" cy="369332"/>
           </a:xfrm>
           <a:prstGeom prst="rect">
@@ -3631,7 +3628,7 @@
         </p:nvSpPr>
         <p:spPr>
           <a:xfrm>
-            <a:off x="3811736" y="1459943"/>
+            <a:off x="4866607" y="1461917"/>
             <a:ext cx="1992702" cy="369332"/>
           </a:xfrm>
           <a:prstGeom prst="rect">
@@ -3670,7 +3667,7 @@
         </p:nvSpPr>
         <p:spPr>
           <a:xfrm>
-            <a:off x="9338889" y="1475501"/>
+            <a:off x="9189044" y="1475501"/>
             <a:ext cx="1992702" cy="369332"/>
           </a:xfrm>
           <a:prstGeom prst="rect">
@@ -3697,10 +3694,10 @@
       </p:sp>
       <p:sp>
         <p:nvSpPr>
-          <p:cNvPr id="17" name="TextBox 16">
-            <a:extLst>
-              <a:ext uri="{FF2B5EF4-FFF2-40B4-BE49-F238E27FC236}">
-                <a16:creationId xmlns:a16="http://schemas.microsoft.com/office/drawing/2014/main" id="{19FBE39A-BBAD-8848-2A47-24063BFBC54D}"/>
+          <p:cNvPr id="18" name="TextBox 17">
+            <a:extLst>
+              <a:ext uri="{FF2B5EF4-FFF2-40B4-BE49-F238E27FC236}">
+                <a16:creationId xmlns:a16="http://schemas.microsoft.com/office/drawing/2014/main" id="{53761189-A916-3B08-4B02-A1E4019D3DF7}"/>
               </a:ext>
             </a:extLst>
           </p:cNvPr>
@@ -3709,7 +3706,7 @@
         </p:nvSpPr>
         <p:spPr>
           <a:xfrm>
-            <a:off x="1035170" y="6357668"/>
+            <a:off x="2919558" y="5986710"/>
             <a:ext cx="1664898" cy="369332"/>
           </a:xfrm>
           <a:prstGeom prst="rect">
@@ -3734,10 +3731,10 @@
       </p:sp>
       <p:sp>
         <p:nvSpPr>
-          <p:cNvPr id="18" name="TextBox 17">
-            <a:extLst>
-              <a:ext uri="{FF2B5EF4-FFF2-40B4-BE49-F238E27FC236}">
-                <a16:creationId xmlns:a16="http://schemas.microsoft.com/office/drawing/2014/main" id="{53761189-A916-3B08-4B02-A1E4019D3DF7}"/>
+          <p:cNvPr id="19" name="TextBox 18">
+            <a:extLst>
+              <a:ext uri="{FF2B5EF4-FFF2-40B4-BE49-F238E27FC236}">
+                <a16:creationId xmlns:a16="http://schemas.microsoft.com/office/drawing/2014/main" id="{57E36BFE-D1F2-B46C-153A-0D631F0DA638}"/>
               </a:ext>
             </a:extLst>
           </p:cNvPr>
@@ -3746,7 +3743,7 @@
         </p:nvSpPr>
         <p:spPr>
           <a:xfrm>
-            <a:off x="3925851" y="6357668"/>
+            <a:off x="4984361" y="5986710"/>
             <a:ext cx="1664898" cy="369332"/>
           </a:xfrm>
           <a:prstGeom prst="rect">
@@ -3771,10 +3768,10 @@
       </p:sp>
       <p:sp>
         <p:nvSpPr>
-          <p:cNvPr id="19" name="TextBox 18">
-            <a:extLst>
-              <a:ext uri="{FF2B5EF4-FFF2-40B4-BE49-F238E27FC236}">
-                <a16:creationId xmlns:a16="http://schemas.microsoft.com/office/drawing/2014/main" id="{57E36BFE-D1F2-B46C-153A-0D631F0DA638}"/>
+          <p:cNvPr id="20" name="TextBox 19">
+            <a:extLst>
+              <a:ext uri="{FF2B5EF4-FFF2-40B4-BE49-F238E27FC236}">
+                <a16:creationId xmlns:a16="http://schemas.microsoft.com/office/drawing/2014/main" id="{91372728-7C1E-FF5A-D046-115C742FB1E5}"/>
               </a:ext>
             </a:extLst>
           </p:cNvPr>
@@ -3783,7 +3780,7 @@
         </p:nvSpPr>
         <p:spPr>
           <a:xfrm>
-            <a:off x="6715367" y="6357668"/>
+            <a:off x="9143765" y="5986710"/>
             <a:ext cx="1664898" cy="369332"/>
           </a:xfrm>
           <a:prstGeom prst="rect">
@@ -3806,12 +3803,48 @@
           </a:p>
         </p:txBody>
       </p:sp>
-      <p:sp>
-        <p:nvSpPr>
-          <p:cNvPr id="20" name="TextBox 19">
-            <a:extLst>
-              <a:ext uri="{FF2B5EF4-FFF2-40B4-BE49-F238E27FC236}">
-                <a16:creationId xmlns:a16="http://schemas.microsoft.com/office/drawing/2014/main" id="{91372728-7C1E-FF5A-D046-115C742FB1E5}"/>
+      <p:pic>
+        <p:nvPicPr>
+          <p:cNvPr id="3" name="Picture 2" descr="Chart&#10;&#10;Description automatically generated">
+            <a:extLst>
+              <a:ext uri="{FF2B5EF4-FFF2-40B4-BE49-F238E27FC236}">
+                <a16:creationId xmlns:a16="http://schemas.microsoft.com/office/drawing/2014/main" id="{F19FCF32-18D8-E8C5-B386-1982FD752165}"/>
+              </a:ext>
+            </a:extLst>
+          </p:cNvPr>
+          <p:cNvPicPr>
+            <a:picLocks noChangeAspect="1"/>
+          </p:cNvPicPr>
+          <p:nvPr/>
+        </p:nvPicPr>
+        <p:blipFill>
+          <a:blip r:embed="rId6">
+            <a:extLst>
+              <a:ext uri="{28A0092B-C50C-407E-A947-70E740481C1C}">
+                <a14:useLocalDpi xmlns:a14="http://schemas.microsoft.com/office/drawing/2010/main" val="0"/>
+              </a:ext>
+            </a:extLst>
+          </a:blip>
+          <a:stretch>
+            <a:fillRect/>
+          </a:stretch>
+        </p:blipFill>
+        <p:spPr>
+          <a:xfrm>
+            <a:off x="0" y="1794052"/>
+            <a:ext cx="2668465" cy="4492670"/>
+          </a:xfrm>
+          <a:prstGeom prst="rect">
+            <a:avLst/>
+          </a:prstGeom>
+        </p:spPr>
+      </p:pic>
+      <p:sp>
+        <p:nvSpPr>
+          <p:cNvPr id="24" name="TextBox 23">
+            <a:extLst>
+              <a:ext uri="{FF2B5EF4-FFF2-40B4-BE49-F238E27FC236}">
+                <a16:creationId xmlns:a16="http://schemas.microsoft.com/office/drawing/2014/main" id="{15A4A791-3082-D15B-204A-CE08DA8379FF}"/>
               </a:ext>
             </a:extLst>
           </p:cNvPr>
@@ -3820,8 +3853,84 @@
         </p:nvSpPr>
         <p:spPr>
           <a:xfrm>
-            <a:off x="9502791" y="6357668"/>
+            <a:off x="7074607" y="5986710"/>
             <a:ext cx="1664898" cy="369332"/>
+          </a:xfrm>
+          <a:prstGeom prst="rect">
+            <a:avLst/>
+          </a:prstGeom>
+          <a:solidFill>
+            <a:schemeClr val="bg1"/>
+          </a:solidFill>
+        </p:spPr>
+        <p:txBody>
+          <a:bodyPr wrap="square" rtlCol="0">
+            <a:spAutoFit/>
+          </a:bodyPr>
+          <a:lstStyle/>
+          <a:p>
+            <a:r>
+              <a:rPr lang="en-US" dirty="0"/>
+              <a:t>h/MHz</a:t>
+            </a:r>
+          </a:p>
+        </p:txBody>
+      </p:sp>
+      <p:sp>
+        <p:nvSpPr>
+          <p:cNvPr id="25" name="TextBox 24">
+            <a:extLst>
+              <a:ext uri="{FF2B5EF4-FFF2-40B4-BE49-F238E27FC236}">
+                <a16:creationId xmlns:a16="http://schemas.microsoft.com/office/drawing/2014/main" id="{7EC1D948-8BBF-7891-BBB9-3AF65DF90163}"/>
+              </a:ext>
+            </a:extLst>
+          </p:cNvPr>
+          <p:cNvSpPr txBox="1"/>
+          <p:nvPr/>
+        </p:nvSpPr>
+        <p:spPr>
+          <a:xfrm>
+            <a:off x="2825791" y="1431305"/>
+            <a:ext cx="1992702" cy="369332"/>
+          </a:xfrm>
+          <a:prstGeom prst="rect">
+            <a:avLst/>
+          </a:prstGeom>
+          <a:noFill/>
+        </p:spPr>
+        <p:txBody>
+          <a:bodyPr wrap="square" rtlCol="0">
+            <a:spAutoFit/>
+          </a:bodyPr>
+          <a:lstStyle/>
+          <a:p>
+            <a:r>
+              <a:rPr lang="en-US" dirty="0" err="1"/>
+              <a:t>F_c</a:t>
+            </a:r>
+            <a:r>
+              <a:rPr lang="en-US" dirty="0"/>
+              <a:t>=0.01Omega</a:t>
+            </a:r>
+          </a:p>
+        </p:txBody>
+      </p:sp>
+      <p:sp>
+        <p:nvSpPr>
+          <p:cNvPr id="17" name="TextBox 16">
+            <a:extLst>
+              <a:ext uri="{FF2B5EF4-FFF2-40B4-BE49-F238E27FC236}">
+                <a16:creationId xmlns:a16="http://schemas.microsoft.com/office/drawing/2014/main" id="{19FBE39A-BBAD-8848-2A47-24063BFBC54D}"/>
+              </a:ext>
+            </a:extLst>
+          </p:cNvPr>
+          <p:cNvSpPr txBox="1"/>
+          <p:nvPr/>
+        </p:nvSpPr>
+        <p:spPr>
+          <a:xfrm>
+            <a:off x="1024012" y="5986710"/>
+            <a:ext cx="1203176" cy="369332"/>
           </a:xfrm>
           <a:prstGeom prst="rect">
             <a:avLst/>
@@ -3873,75 +3982,12 @@
           <a:chExt cx="0" cy="0"/>
         </a:xfrm>
       </p:grpSpPr>
-      <p:sp>
-        <p:nvSpPr>
-          <p:cNvPr id="4" name="TextBox 3">
-            <a:extLst>
-              <a:ext uri="{FF2B5EF4-FFF2-40B4-BE49-F238E27FC236}">
-                <a16:creationId xmlns:a16="http://schemas.microsoft.com/office/drawing/2014/main" id="{4440FC6A-0561-6EA0-9CD2-74CE60015802}"/>
-              </a:ext>
-            </a:extLst>
-          </p:cNvPr>
-          <p:cNvSpPr txBox="1"/>
-          <p:nvPr/>
-        </p:nvSpPr>
-        <p:spPr>
-          <a:xfrm>
-            <a:off x="1625600" y="223793"/>
-            <a:ext cx="8007927" cy="1015663"/>
-          </a:xfrm>
-          <a:prstGeom prst="rect">
-            <a:avLst/>
-          </a:prstGeom>
-          <a:noFill/>
-        </p:spPr>
-        <p:txBody>
-          <a:bodyPr wrap="square" rtlCol="0">
-            <a:spAutoFit/>
-          </a:bodyPr>
-          <a:lstStyle/>
-          <a:p>
-            <a:r>
-              <a:rPr lang="en-US" sz="2000" dirty="0"/>
-              <a:t>Starting At </a:t>
-            </a:r>
-            <a:r>
-              <a:rPr lang="en-US" sz="2000" dirty="0">
-                <a:solidFill>
-                  <a:srgbClr val="FF0000"/>
-                </a:solidFill>
-              </a:rPr>
-              <a:t>h_0=500Hz</a:t>
-            </a:r>
-            <a:r>
-              <a:rPr lang="en-US" sz="2000" dirty="0"/>
-              <a:t>, 25 cases, scanning h from h=h_0 to h=25*h_0</a:t>
-            </a:r>
-          </a:p>
-          <a:p>
-            <a:r>
-              <a:rPr lang="en-US" sz="2000" dirty="0"/>
-              <a:t>Omega=1MHz </a:t>
-            </a:r>
-          </a:p>
-          <a:p>
-            <a:r>
-              <a:rPr lang="en-US" sz="2000" dirty="0">
-                <a:solidFill>
-                  <a:srgbClr val="FF0000"/>
-                </a:solidFill>
-              </a:rPr>
-              <a:t>a: Xiaoyu; b:Mark F</a:t>
-            </a:r>
-          </a:p>
-        </p:txBody>
-      </p:sp>
       <p:pic>
         <p:nvPicPr>
-          <p:cNvPr id="8" name="Picture 7" descr="Chart, line chart&#10;&#10;Description automatically generated">
-            <a:extLst>
-              <a:ext uri="{FF2B5EF4-FFF2-40B4-BE49-F238E27FC236}">
-                <a16:creationId xmlns:a16="http://schemas.microsoft.com/office/drawing/2014/main" id="{9A47E432-0927-E2CB-26BF-CF8F2BE2100F}"/>
+          <p:cNvPr id="37" name="Picture 36" descr="Chart, line chart&#10;&#10;Description automatically generated">
+            <a:extLst>
+              <a:ext uri="{FF2B5EF4-FFF2-40B4-BE49-F238E27FC236}">
+                <a16:creationId xmlns:a16="http://schemas.microsoft.com/office/drawing/2014/main" id="{7624959C-21F8-BE46-B84A-6862F481A62F}"/>
               </a:ext>
             </a:extLst>
           </p:cNvPr>
@@ -3964,8 +4010,8 @@
         </p:blipFill>
         <p:spPr>
           <a:xfrm>
-            <a:off x="696154" y="2234424"/>
-            <a:ext cx="2627207" cy="4337438"/>
+            <a:off x="8170855" y="1463108"/>
+            <a:ext cx="3002864" cy="4957636"/>
           </a:xfrm>
           <a:prstGeom prst="rect">
             <a:avLst/>
@@ -3974,10 +4020,10 @@
       </p:pic>
       <p:pic>
         <p:nvPicPr>
-          <p:cNvPr id="10" name="Picture 9" descr="Chart, line chart&#10;&#10;Description automatically generated">
-            <a:extLst>
-              <a:ext uri="{FF2B5EF4-FFF2-40B4-BE49-F238E27FC236}">
-                <a16:creationId xmlns:a16="http://schemas.microsoft.com/office/drawing/2014/main" id="{1C6174CC-F014-56C6-3D2C-9FB19C20DF08}"/>
+          <p:cNvPr id="35" name="Picture 34" descr="Chart, line chart&#10;&#10;Description automatically generated">
+            <a:extLst>
+              <a:ext uri="{FF2B5EF4-FFF2-40B4-BE49-F238E27FC236}">
+                <a16:creationId xmlns:a16="http://schemas.microsoft.com/office/drawing/2014/main" id="{F28D1063-C5F8-3684-AFD7-9462241C2FBB}"/>
               </a:ext>
             </a:extLst>
           </p:cNvPr>
@@ -4000,8 +4046,8 @@
         </p:blipFill>
         <p:spPr>
           <a:xfrm>
-            <a:off x="9183461" y="2234425"/>
-            <a:ext cx="2627208" cy="4337440"/>
+            <a:off x="5476761" y="1463108"/>
+            <a:ext cx="2936716" cy="4848428"/>
           </a:xfrm>
           <a:prstGeom prst="rect">
             <a:avLst/>
@@ -4010,10 +4056,10 @@
       </p:pic>
       <p:pic>
         <p:nvPicPr>
-          <p:cNvPr id="14" name="Picture 13" descr="Chart, line chart&#10;&#10;Description automatically generated">
-            <a:extLst>
-              <a:ext uri="{FF2B5EF4-FFF2-40B4-BE49-F238E27FC236}">
-                <a16:creationId xmlns:a16="http://schemas.microsoft.com/office/drawing/2014/main" id="{09400D02-50B3-EA28-EDA5-A63F3779CF50}"/>
+          <p:cNvPr id="29" name="Picture 28" descr="Chart, line chart&#10;&#10;Description automatically generated">
+            <a:extLst>
+              <a:ext uri="{FF2B5EF4-FFF2-40B4-BE49-F238E27FC236}">
+                <a16:creationId xmlns:a16="http://schemas.microsoft.com/office/drawing/2014/main" id="{9A1E6212-5DF6-B272-F823-83396999B232}"/>
               </a:ext>
             </a:extLst>
           </p:cNvPr>
@@ -4036,8 +4082,8 @@
         </p:blipFill>
         <p:spPr>
           <a:xfrm>
-            <a:off x="3513447" y="2227497"/>
-            <a:ext cx="2627207" cy="4337440"/>
+            <a:off x="2813234" y="1463108"/>
+            <a:ext cx="2936716" cy="4848428"/>
           </a:xfrm>
           <a:prstGeom prst="rect">
             <a:avLst/>
@@ -4046,10 +4092,10 @@
       </p:pic>
       <p:sp>
         <p:nvSpPr>
-          <p:cNvPr id="19" name="TextBox 18">
-            <a:extLst>
-              <a:ext uri="{FF2B5EF4-FFF2-40B4-BE49-F238E27FC236}">
-                <a16:creationId xmlns:a16="http://schemas.microsoft.com/office/drawing/2014/main" id="{08D0F165-00A4-9B97-E499-910AB9D953CC}"/>
+          <p:cNvPr id="4" name="TextBox 3">
+            <a:extLst>
+              <a:ext uri="{FF2B5EF4-FFF2-40B4-BE49-F238E27FC236}">
+                <a16:creationId xmlns:a16="http://schemas.microsoft.com/office/drawing/2014/main" id="{4440FC6A-0561-6EA0-9CD2-74CE60015802}"/>
               </a:ext>
             </a:extLst>
           </p:cNvPr>
@@ -4058,8 +4104,8 @@
         </p:nvSpPr>
         <p:spPr>
           <a:xfrm>
-            <a:off x="4147952" y="1929442"/>
-            <a:ext cx="1992702" cy="369332"/>
+            <a:off x="1625600" y="223793"/>
+            <a:ext cx="8007927" cy="707886"/>
           </a:xfrm>
           <a:prstGeom prst="rect">
             <a:avLst/>
@@ -4073,22 +4119,44 @@
           <a:lstStyle/>
           <a:p>
             <a:r>
-              <a:rPr lang="en-US" dirty="0" err="1"/>
-              <a:t>F_c</a:t>
-            </a:r>
-            <a:r>
-              <a:rPr lang="en-US" dirty="0"/>
-              <a:t>=0.002Omega</a:t>
-            </a:r>
-          </a:p>
-        </p:txBody>
-      </p:sp>
-      <p:sp>
-        <p:nvSpPr>
-          <p:cNvPr id="20" name="TextBox 19">
-            <a:extLst>
-              <a:ext uri="{FF2B5EF4-FFF2-40B4-BE49-F238E27FC236}">
-                <a16:creationId xmlns:a16="http://schemas.microsoft.com/office/drawing/2014/main" id="{11AEDD19-6B4C-C448-56FE-43A54C6074E7}"/>
+              <a:rPr lang="en-US" sz="2000" b="1" dirty="0">
+                <a:solidFill>
+                  <a:srgbClr val="FF0000"/>
+                </a:solidFill>
+              </a:rPr>
+              <a:t>2. </a:t>
+            </a:r>
+            <a:r>
+              <a:rPr lang="en-US" sz="2000" dirty="0"/>
+              <a:t>Starting At </a:t>
+            </a:r>
+            <a:r>
+              <a:rPr lang="en-US" sz="2000" dirty="0">
+                <a:solidFill>
+                  <a:srgbClr val="FF0000"/>
+                </a:solidFill>
+              </a:rPr>
+              <a:t>h_0=500Hz</a:t>
+            </a:r>
+            <a:r>
+              <a:rPr lang="en-US" sz="2000" dirty="0"/>
+              <a:t>, 25 cases, scanning h from h=h_0 to h=25*h_0</a:t>
+            </a:r>
+          </a:p>
+          <a:p>
+            <a:r>
+              <a:rPr lang="en-US" sz="2000" dirty="0"/>
+              <a:t>Omega=1MHz </a:t>
+            </a:r>
+          </a:p>
+        </p:txBody>
+      </p:sp>
+      <p:sp>
+        <p:nvSpPr>
+          <p:cNvPr id="26" name="TextBox 25">
+            <a:extLst>
+              <a:ext uri="{FF2B5EF4-FFF2-40B4-BE49-F238E27FC236}">
+                <a16:creationId xmlns:a16="http://schemas.microsoft.com/office/drawing/2014/main" id="{A79CBE3B-E473-FB16-8538-11D79A57C489}"/>
               </a:ext>
             </a:extLst>
           </p:cNvPr>
@@ -4097,13 +4165,15 @@
         </p:nvSpPr>
         <p:spPr>
           <a:xfrm>
-            <a:off x="1447632" y="1929442"/>
-            <a:ext cx="1992702" cy="369332"/>
+            <a:off x="6439986" y="6015913"/>
+            <a:ext cx="1664898" cy="369332"/>
           </a:xfrm>
           <a:prstGeom prst="rect">
             <a:avLst/>
           </a:prstGeom>
-          <a:noFill/>
+          <a:solidFill>
+            <a:schemeClr val="bg1"/>
+          </a:solidFill>
         </p:spPr>
         <p:txBody>
           <a:bodyPr wrap="square" rtlCol="0">
@@ -4112,22 +4182,18 @@
           <a:lstStyle/>
           <a:p>
             <a:r>
-              <a:rPr lang="en-US" dirty="0" err="1"/>
-              <a:t>F_c</a:t>
-            </a:r>
-            <a:r>
               <a:rPr lang="en-US" dirty="0"/>
-              <a:t>=0.001Omega</a:t>
-            </a:r>
-          </a:p>
-        </p:txBody>
-      </p:sp>
-      <p:sp>
-        <p:nvSpPr>
-          <p:cNvPr id="21" name="TextBox 20">
-            <a:extLst>
-              <a:ext uri="{FF2B5EF4-FFF2-40B4-BE49-F238E27FC236}">
-                <a16:creationId xmlns:a16="http://schemas.microsoft.com/office/drawing/2014/main" id="{61A34167-AF72-1CEA-6774-97EAD9E861C0}"/>
+              <a:t>h/MHz</a:t>
+            </a:r>
+          </a:p>
+        </p:txBody>
+      </p:sp>
+      <p:sp>
+        <p:nvSpPr>
+          <p:cNvPr id="27" name="TextBox 26">
+            <a:extLst>
+              <a:ext uri="{FF2B5EF4-FFF2-40B4-BE49-F238E27FC236}">
+                <a16:creationId xmlns:a16="http://schemas.microsoft.com/office/drawing/2014/main" id="{4D4A8FBA-010C-2330-3523-6BF895BD612A}"/>
               </a:ext>
             </a:extLst>
           </p:cNvPr>
@@ -4136,13 +4202,15 @@
         </p:nvSpPr>
         <p:spPr>
           <a:xfrm>
-            <a:off x="6902864" y="1929442"/>
-            <a:ext cx="1992702" cy="369332"/>
+            <a:off x="9366788" y="6126870"/>
+            <a:ext cx="1664898" cy="369332"/>
           </a:xfrm>
           <a:prstGeom prst="rect">
             <a:avLst/>
           </a:prstGeom>
-          <a:noFill/>
+          <a:solidFill>
+            <a:schemeClr val="bg1"/>
+          </a:solidFill>
         </p:spPr>
         <p:txBody>
           <a:bodyPr wrap="square" rtlCol="0">
@@ -4151,22 +4219,18 @@
           <a:lstStyle/>
           <a:p>
             <a:r>
-              <a:rPr lang="en-US" dirty="0" err="1"/>
-              <a:t>F_c</a:t>
-            </a:r>
-            <a:r>
               <a:rPr lang="en-US" dirty="0"/>
-              <a:t>=0.005Omega</a:t>
-            </a:r>
-          </a:p>
-        </p:txBody>
-      </p:sp>
-      <p:sp>
-        <p:nvSpPr>
-          <p:cNvPr id="22" name="TextBox 21">
-            <a:extLst>
-              <a:ext uri="{FF2B5EF4-FFF2-40B4-BE49-F238E27FC236}">
-                <a16:creationId xmlns:a16="http://schemas.microsoft.com/office/drawing/2014/main" id="{0DC4D98A-B5F5-3401-B638-CF774AD7CDAA}"/>
+              <a:t>h/MHz</a:t>
+            </a:r>
+          </a:p>
+        </p:txBody>
+      </p:sp>
+      <p:sp>
+        <p:nvSpPr>
+          <p:cNvPr id="28" name="TextBox 27">
+            <a:extLst>
+              <a:ext uri="{FF2B5EF4-FFF2-40B4-BE49-F238E27FC236}">
+                <a16:creationId xmlns:a16="http://schemas.microsoft.com/office/drawing/2014/main" id="{0DB907A8-D207-D16D-95C5-EEE8CFAF2549}"/>
               </a:ext>
             </a:extLst>
           </p:cNvPr>
@@ -4175,13 +4239,15 @@
         </p:nvSpPr>
         <p:spPr>
           <a:xfrm>
-            <a:off x="9817967" y="1865092"/>
-            <a:ext cx="1992702" cy="369332"/>
+            <a:off x="3686441" y="6023718"/>
+            <a:ext cx="1664898" cy="369332"/>
           </a:xfrm>
           <a:prstGeom prst="rect">
             <a:avLst/>
           </a:prstGeom>
-          <a:noFill/>
+          <a:solidFill>
+            <a:schemeClr val="bg1"/>
+          </a:solidFill>
         </p:spPr>
         <p:txBody>
           <a:bodyPr wrap="square" rtlCol="0">
@@ -4190,22 +4256,18 @@
           <a:lstStyle/>
           <a:p>
             <a:r>
-              <a:rPr lang="en-US" dirty="0" err="1"/>
-              <a:t>F_c</a:t>
-            </a:r>
-            <a:r>
               <a:rPr lang="en-US" dirty="0"/>
-              <a:t>=0.01Omega</a:t>
+              <a:t>h/MHz</a:t>
             </a:r>
           </a:p>
         </p:txBody>
       </p:sp>
       <p:pic>
         <p:nvPicPr>
-          <p:cNvPr id="24" name="Picture 23" descr="Chart, line chart&#10;&#10;Description automatically generated">
-            <a:extLst>
-              <a:ext uri="{FF2B5EF4-FFF2-40B4-BE49-F238E27FC236}">
-                <a16:creationId xmlns:a16="http://schemas.microsoft.com/office/drawing/2014/main" id="{4DDB0AA2-DEE9-C39B-B2EB-55989E7B2CE9}"/>
+          <p:cNvPr id="18" name="Picture 17" descr="Chart, line chart&#10;&#10;Description automatically generated">
+            <a:extLst>
+              <a:ext uri="{FF2B5EF4-FFF2-40B4-BE49-F238E27FC236}">
+                <a16:creationId xmlns:a16="http://schemas.microsoft.com/office/drawing/2014/main" id="{9F2B0F40-5400-7222-90FD-40F66807F69A}"/>
               </a:ext>
             </a:extLst>
           </p:cNvPr>
@@ -4228,8 +4290,8 @@
         </p:blipFill>
         <p:spPr>
           <a:xfrm>
-            <a:off x="6361026" y="2234422"/>
-            <a:ext cx="2627207" cy="4337440"/>
+            <a:off x="127623" y="1464504"/>
+            <a:ext cx="2957559" cy="4882840"/>
           </a:xfrm>
           <a:prstGeom prst="rect">
             <a:avLst/>
@@ -4250,7 +4312,7 @@
         </p:nvSpPr>
         <p:spPr>
           <a:xfrm>
-            <a:off x="1628177" y="6273501"/>
+            <a:off x="1153090" y="6023718"/>
             <a:ext cx="1664898" cy="369332"/>
           </a:xfrm>
           <a:prstGeom prst="rect">
@@ -4275,10 +4337,10 @@
       </p:sp>
       <p:sp>
         <p:nvSpPr>
-          <p:cNvPr id="26" name="TextBox 25">
-            <a:extLst>
-              <a:ext uri="{FF2B5EF4-FFF2-40B4-BE49-F238E27FC236}">
-                <a16:creationId xmlns:a16="http://schemas.microsoft.com/office/drawing/2014/main" id="{A79CBE3B-E473-FB16-8538-11D79A57C489}"/>
+          <p:cNvPr id="38" name="TextBox 37">
+            <a:extLst>
+              <a:ext uri="{FF2B5EF4-FFF2-40B4-BE49-F238E27FC236}">
+                <a16:creationId xmlns:a16="http://schemas.microsoft.com/office/drawing/2014/main" id="{3617C375-64D4-1232-EB13-119D88D20A19}"/>
               </a:ext>
             </a:extLst>
           </p:cNvPr>
@@ -4287,15 +4349,13 @@
         </p:nvSpPr>
         <p:spPr>
           <a:xfrm>
-            <a:off x="7298192" y="6312932"/>
-            <a:ext cx="1664898" cy="369332"/>
+            <a:off x="1018281" y="1118718"/>
+            <a:ext cx="1992702" cy="369332"/>
           </a:xfrm>
           <a:prstGeom prst="rect">
             <a:avLst/>
           </a:prstGeom>
-          <a:solidFill>
-            <a:schemeClr val="bg1"/>
-          </a:solidFill>
+          <a:noFill/>
         </p:spPr>
         <p:txBody>
           <a:bodyPr wrap="square" rtlCol="0">
@@ -4304,18 +4364,22 @@
           <a:lstStyle/>
           <a:p>
             <a:r>
+              <a:rPr lang="en-US" dirty="0" err="1"/>
+              <a:t>F_c</a:t>
+            </a:r>
+            <a:r>
               <a:rPr lang="en-US" dirty="0"/>
-              <a:t>h/MHz</a:t>
-            </a:r>
-          </a:p>
-        </p:txBody>
-      </p:sp>
-      <p:sp>
-        <p:nvSpPr>
-          <p:cNvPr id="27" name="TextBox 26">
-            <a:extLst>
-              <a:ext uri="{FF2B5EF4-FFF2-40B4-BE49-F238E27FC236}">
-                <a16:creationId xmlns:a16="http://schemas.microsoft.com/office/drawing/2014/main" id="{4D4A8FBA-010C-2330-3523-6BF895BD612A}"/>
+              <a:t>=0.001Omega</a:t>
+            </a:r>
+          </a:p>
+        </p:txBody>
+      </p:sp>
+      <p:sp>
+        <p:nvSpPr>
+          <p:cNvPr id="39" name="TextBox 38">
+            <a:extLst>
+              <a:ext uri="{FF2B5EF4-FFF2-40B4-BE49-F238E27FC236}">
+                <a16:creationId xmlns:a16="http://schemas.microsoft.com/office/drawing/2014/main" id="{03CF2D6B-2B70-FF2D-188C-DCEA6CDA184B}"/>
               </a:ext>
             </a:extLst>
           </p:cNvPr>
@@ -4324,15 +4388,13 @@
         </p:nvSpPr>
         <p:spPr>
           <a:xfrm>
-            <a:off x="10082583" y="6312932"/>
-            <a:ext cx="1664898" cy="369332"/>
+            <a:off x="3674776" y="1123683"/>
+            <a:ext cx="1992702" cy="369332"/>
           </a:xfrm>
           <a:prstGeom prst="rect">
             <a:avLst/>
           </a:prstGeom>
-          <a:solidFill>
-            <a:schemeClr val="bg1"/>
-          </a:solidFill>
+          <a:noFill/>
         </p:spPr>
         <p:txBody>
           <a:bodyPr wrap="square" rtlCol="0">
@@ -4341,18 +4403,22 @@
           <a:lstStyle/>
           <a:p>
             <a:r>
+              <a:rPr lang="en-US" dirty="0" err="1"/>
+              <a:t>F_c</a:t>
+            </a:r>
+            <a:r>
               <a:rPr lang="en-US" dirty="0"/>
-              <a:t>h/MHz</a:t>
-            </a:r>
-          </a:p>
-        </p:txBody>
-      </p:sp>
-      <p:sp>
-        <p:nvSpPr>
-          <p:cNvPr id="28" name="TextBox 27">
-            <a:extLst>
-              <a:ext uri="{FF2B5EF4-FFF2-40B4-BE49-F238E27FC236}">
-                <a16:creationId xmlns:a16="http://schemas.microsoft.com/office/drawing/2014/main" id="{0DB907A8-D207-D16D-95C5-EEE8CFAF2549}"/>
+              <a:t>=0.002Omega</a:t>
+            </a:r>
+          </a:p>
+        </p:txBody>
+      </p:sp>
+      <p:sp>
+        <p:nvSpPr>
+          <p:cNvPr id="40" name="TextBox 39">
+            <a:extLst>
+              <a:ext uri="{FF2B5EF4-FFF2-40B4-BE49-F238E27FC236}">
+                <a16:creationId xmlns:a16="http://schemas.microsoft.com/office/drawing/2014/main" id="{20996A8C-3CA8-0F88-1ED0-BEE3AC2E0472}"/>
               </a:ext>
             </a:extLst>
           </p:cNvPr>
@@ -4361,15 +4427,13 @@
         </p:nvSpPr>
         <p:spPr>
           <a:xfrm>
-            <a:off x="4431103" y="6273501"/>
-            <a:ext cx="1664898" cy="369332"/>
+            <a:off x="6407551" y="1118036"/>
+            <a:ext cx="1992702" cy="369332"/>
           </a:xfrm>
           <a:prstGeom prst="rect">
             <a:avLst/>
           </a:prstGeom>
-          <a:solidFill>
-            <a:schemeClr val="bg1"/>
-          </a:solidFill>
+          <a:noFill/>
         </p:spPr>
         <p:txBody>
           <a:bodyPr wrap="square" rtlCol="0">
@@ -4378,8 +4442,51 @@
           <a:lstStyle/>
           <a:p>
             <a:r>
+              <a:rPr lang="en-US" dirty="0" err="1"/>
+              <a:t>F_c</a:t>
+            </a:r>
+            <a:r>
               <a:rPr lang="en-US" dirty="0"/>
-              <a:t>h/MHz</a:t>
+              <a:t>=0.005Omega</a:t>
+            </a:r>
+          </a:p>
+        </p:txBody>
+      </p:sp>
+      <p:sp>
+        <p:nvSpPr>
+          <p:cNvPr id="41" name="TextBox 40">
+            <a:extLst>
+              <a:ext uri="{FF2B5EF4-FFF2-40B4-BE49-F238E27FC236}">
+                <a16:creationId xmlns:a16="http://schemas.microsoft.com/office/drawing/2014/main" id="{E2F84E71-79F9-0F30-4CF4-5A8417D5E09F}"/>
+              </a:ext>
+            </a:extLst>
+          </p:cNvPr>
+          <p:cNvSpPr txBox="1"/>
+          <p:nvPr/>
+        </p:nvSpPr>
+        <p:spPr>
+          <a:xfrm>
+            <a:off x="9153550" y="1092085"/>
+            <a:ext cx="1992702" cy="369332"/>
+          </a:xfrm>
+          <a:prstGeom prst="rect">
+            <a:avLst/>
+          </a:prstGeom>
+          <a:noFill/>
+        </p:spPr>
+        <p:txBody>
+          <a:bodyPr wrap="square" rtlCol="0">
+            <a:spAutoFit/>
+          </a:bodyPr>
+          <a:lstStyle/>
+          <a:p>
+            <a:r>
+              <a:rPr lang="en-US" dirty="0" err="1"/>
+              <a:t>F_c</a:t>
+            </a:r>
+            <a:r>
+              <a:rPr lang="en-US" dirty="0"/>
+              <a:t>=0.01Omega</a:t>
             </a:r>
           </a:p>
         </p:txBody>
@@ -4416,10 +4523,10 @@
       </p:grpSpPr>
       <p:pic>
         <p:nvPicPr>
-          <p:cNvPr id="4" name="Picture 3" descr="Chart, line chart&#10;&#10;Description automatically generated">
-            <a:extLst>
-              <a:ext uri="{FF2B5EF4-FFF2-40B4-BE49-F238E27FC236}">
-                <a16:creationId xmlns:a16="http://schemas.microsoft.com/office/drawing/2014/main" id="{FCEA648A-7450-214C-5985-16BB9CE82585}"/>
+          <p:cNvPr id="8" name="Picture 7" descr="Chart, line chart&#10;&#10;Description automatically generated">
+            <a:extLst>
+              <a:ext uri="{FF2B5EF4-FFF2-40B4-BE49-F238E27FC236}">
+                <a16:creationId xmlns:a16="http://schemas.microsoft.com/office/drawing/2014/main" id="{F18D79E3-B9FA-3E95-6DF8-57419AFB321F}"/>
               </a:ext>
             </a:extLst>
           </p:cNvPr>
@@ -4442,8 +4549,8 @@
         </p:blipFill>
         <p:spPr>
           <a:xfrm>
-            <a:off x="6802543" y="2286000"/>
-            <a:ext cx="2468397" cy="4197670"/>
+            <a:off x="6305770" y="1425217"/>
+            <a:ext cx="3128144" cy="5301940"/>
           </a:xfrm>
           <a:prstGeom prst="rect">
             <a:avLst/>
@@ -4452,10 +4559,10 @@
       </p:pic>
       <p:pic>
         <p:nvPicPr>
-          <p:cNvPr id="5" name="Picture 4" descr="Chart, line chart&#10;&#10;Description automatically generated">
-            <a:extLst>
-              <a:ext uri="{FF2B5EF4-FFF2-40B4-BE49-F238E27FC236}">
-                <a16:creationId xmlns:a16="http://schemas.microsoft.com/office/drawing/2014/main" id="{EB7DB35E-A911-56B2-1629-8D03014E53B1}"/>
+          <p:cNvPr id="6" name="Picture 5" descr="Chart, line chart&#10;&#10;Description automatically generated">
+            <a:extLst>
+              <a:ext uri="{FF2B5EF4-FFF2-40B4-BE49-F238E27FC236}">
+                <a16:creationId xmlns:a16="http://schemas.microsoft.com/office/drawing/2014/main" id="{F7AC6663-2CCF-275D-04D8-0368ADE0BB29}"/>
               </a:ext>
             </a:extLst>
           </p:cNvPr>
@@ -4478,8 +4585,8 @@
         </p:blipFill>
         <p:spPr>
           <a:xfrm>
-            <a:off x="1416575" y="2286000"/>
-            <a:ext cx="2468397" cy="4155833"/>
+            <a:off x="3136454" y="1463108"/>
+            <a:ext cx="3104126" cy="5226156"/>
           </a:xfrm>
           <a:prstGeom prst="rect">
             <a:avLst/>
@@ -4488,10 +4595,10 @@
       </p:pic>
       <p:pic>
         <p:nvPicPr>
-          <p:cNvPr id="6" name="Picture 5" descr="Chart, line chart&#10;&#10;Description automatically generated">
-            <a:extLst>
-              <a:ext uri="{FF2B5EF4-FFF2-40B4-BE49-F238E27FC236}">
-                <a16:creationId xmlns:a16="http://schemas.microsoft.com/office/drawing/2014/main" id="{A449CDD7-5FB5-1E17-C5D6-92A15D3F5EB4}"/>
+          <p:cNvPr id="3" name="Picture 2" descr="Chart&#10;&#10;Description automatically generated">
+            <a:extLst>
+              <a:ext uri="{FF2B5EF4-FFF2-40B4-BE49-F238E27FC236}">
+                <a16:creationId xmlns:a16="http://schemas.microsoft.com/office/drawing/2014/main" id="{65D882D3-44FA-A309-327D-EAEF126566D9}"/>
               </a:ext>
             </a:extLst>
           </p:cNvPr>
@@ -4514,8 +4621,8 @@
         </p:blipFill>
         <p:spPr>
           <a:xfrm>
-            <a:off x="4155259" y="2286000"/>
-            <a:ext cx="2468397" cy="4162804"/>
+            <a:off x="17599" y="1463108"/>
+            <a:ext cx="3104125" cy="5226156"/>
           </a:xfrm>
           <a:prstGeom prst="rect">
             <a:avLst/>
@@ -4524,10 +4631,10 @@
       </p:pic>
       <p:sp>
         <p:nvSpPr>
-          <p:cNvPr id="7" name="TextBox 6">
-            <a:extLst>
-              <a:ext uri="{FF2B5EF4-FFF2-40B4-BE49-F238E27FC236}">
-                <a16:creationId xmlns:a16="http://schemas.microsoft.com/office/drawing/2014/main" id="{82A5AF43-C852-EFAE-E4C3-825AA51ABA67}"/>
+          <p:cNvPr id="4" name="TextBox 3">
+            <a:extLst>
+              <a:ext uri="{FF2B5EF4-FFF2-40B4-BE49-F238E27FC236}">
+                <a16:creationId xmlns:a16="http://schemas.microsoft.com/office/drawing/2014/main" id="{4440FC6A-0561-6EA0-9CD2-74CE60015802}"/>
               </a:ext>
             </a:extLst>
           </p:cNvPr>
@@ -4536,8 +4643,8 @@
         </p:nvSpPr>
         <p:spPr>
           <a:xfrm>
-            <a:off x="2027414" y="1916668"/>
-            <a:ext cx="1992702" cy="369332"/>
+            <a:off x="1625600" y="223793"/>
+            <a:ext cx="8007927" cy="707886"/>
           </a:xfrm>
           <a:prstGeom prst="rect">
             <a:avLst/>
@@ -4551,122 +4658,13 @@
           <a:lstStyle/>
           <a:p>
             <a:r>
-              <a:rPr lang="en-US" dirty="0" err="1"/>
-              <a:t>F_c</a:t>
-            </a:r>
-            <a:r>
-              <a:rPr lang="en-US" dirty="0"/>
-              <a:t>=0.03Omega</a:t>
-            </a:r>
-          </a:p>
-        </p:txBody>
-      </p:sp>
-      <p:sp>
-        <p:nvSpPr>
-          <p:cNvPr id="8" name="TextBox 7">
-            <a:extLst>
-              <a:ext uri="{FF2B5EF4-FFF2-40B4-BE49-F238E27FC236}">
-                <a16:creationId xmlns:a16="http://schemas.microsoft.com/office/drawing/2014/main" id="{B9036929-2677-4DEB-F72A-02AAFD646A05}"/>
-              </a:ext>
-            </a:extLst>
-          </p:cNvPr>
-          <p:cNvSpPr txBox="1"/>
-          <p:nvPr/>
-        </p:nvSpPr>
-        <p:spPr>
-          <a:xfrm>
-            <a:off x="4720398" y="1916668"/>
-            <a:ext cx="1992702" cy="369332"/>
-          </a:xfrm>
-          <a:prstGeom prst="rect">
-            <a:avLst/>
-          </a:prstGeom>
-          <a:noFill/>
-        </p:spPr>
-        <p:txBody>
-          <a:bodyPr wrap="square" rtlCol="0">
-            <a:spAutoFit/>
-          </a:bodyPr>
-          <a:lstStyle/>
-          <a:p>
-            <a:r>
-              <a:rPr lang="en-US" dirty="0" err="1"/>
-              <a:t>F_c</a:t>
-            </a:r>
-            <a:r>
-              <a:rPr lang="en-US" dirty="0"/>
-              <a:t>=0.1Omega</a:t>
-            </a:r>
-          </a:p>
-        </p:txBody>
-      </p:sp>
-      <p:sp>
-        <p:nvSpPr>
-          <p:cNvPr id="9" name="TextBox 8">
-            <a:extLst>
-              <a:ext uri="{FF2B5EF4-FFF2-40B4-BE49-F238E27FC236}">
-                <a16:creationId xmlns:a16="http://schemas.microsoft.com/office/drawing/2014/main" id="{B58945AF-6B67-C329-322A-708A4A39D982}"/>
-              </a:ext>
-            </a:extLst>
-          </p:cNvPr>
-          <p:cNvSpPr txBox="1"/>
-          <p:nvPr/>
-        </p:nvSpPr>
-        <p:spPr>
-          <a:xfrm>
-            <a:off x="7335180" y="1916668"/>
-            <a:ext cx="1992702" cy="369332"/>
-          </a:xfrm>
-          <a:prstGeom prst="rect">
-            <a:avLst/>
-          </a:prstGeom>
-          <a:noFill/>
-        </p:spPr>
-        <p:txBody>
-          <a:bodyPr wrap="square" rtlCol="0">
-            <a:spAutoFit/>
-          </a:bodyPr>
-          <a:lstStyle/>
-          <a:p>
-            <a:r>
-              <a:rPr lang="en-US" dirty="0" err="1"/>
-              <a:t>F_c</a:t>
-            </a:r>
-            <a:r>
-              <a:rPr lang="en-US" dirty="0"/>
-              <a:t>=0.2Omega</a:t>
-            </a:r>
-          </a:p>
-        </p:txBody>
-      </p:sp>
-      <p:sp>
-        <p:nvSpPr>
-          <p:cNvPr id="10" name="TextBox 9">
-            <a:extLst>
-              <a:ext uri="{FF2B5EF4-FFF2-40B4-BE49-F238E27FC236}">
-                <a16:creationId xmlns:a16="http://schemas.microsoft.com/office/drawing/2014/main" id="{2A80FAC4-CDD4-98E9-3864-638B5B84F77F}"/>
-              </a:ext>
-            </a:extLst>
-          </p:cNvPr>
-          <p:cNvSpPr txBox="1"/>
-          <p:nvPr/>
-        </p:nvSpPr>
-        <p:spPr>
-          <a:xfrm>
-            <a:off x="1712785" y="416167"/>
-            <a:ext cx="8007927" cy="1015663"/>
-          </a:xfrm>
-          <a:prstGeom prst="rect">
-            <a:avLst/>
-          </a:prstGeom>
-          <a:noFill/>
-        </p:spPr>
-        <p:txBody>
-          <a:bodyPr wrap="square" rtlCol="0">
-            <a:spAutoFit/>
-          </a:bodyPr>
-          <a:lstStyle/>
-          <a:p>
+              <a:rPr lang="en-US" sz="2000" b="1" dirty="0">
+                <a:solidFill>
+                  <a:srgbClr val="FF0000"/>
+                </a:solidFill>
+              </a:rPr>
+              <a:t>2. </a:t>
+            </a:r>
             <a:r>
               <a:rPr lang="en-US" sz="2000" dirty="0"/>
               <a:t>Starting At </a:t>
@@ -4690,24 +4688,14 @@
               <a:t>Omega=1MHz </a:t>
             </a:r>
           </a:p>
-          <a:p>
-            <a:r>
-              <a:rPr lang="en-US" sz="2000" dirty="0">
-                <a:solidFill>
-                  <a:srgbClr val="FF0000"/>
-                </a:solidFill>
-              </a:rPr>
-              <a:t>a: Xiaoyu; b:Mark F</a:t>
-            </a:r>
-          </a:p>
-        </p:txBody>
-      </p:sp>
-      <p:sp>
-        <p:nvSpPr>
-          <p:cNvPr id="11" name="TextBox 10">
-            <a:extLst>
-              <a:ext uri="{FF2B5EF4-FFF2-40B4-BE49-F238E27FC236}">
-                <a16:creationId xmlns:a16="http://schemas.microsoft.com/office/drawing/2014/main" id="{C1BDFFE0-D1D0-ACBE-2B18-5E888607D2F6}"/>
+        </p:txBody>
+      </p:sp>
+      <p:sp>
+        <p:nvSpPr>
+          <p:cNvPr id="26" name="TextBox 25">
+            <a:extLst>
+              <a:ext uri="{FF2B5EF4-FFF2-40B4-BE49-F238E27FC236}">
+                <a16:creationId xmlns:a16="http://schemas.microsoft.com/office/drawing/2014/main" id="{A79CBE3B-E473-FB16-8538-11D79A57C489}"/>
               </a:ext>
             </a:extLst>
           </p:cNvPr>
@@ -4716,7 +4704,7 @@
         </p:nvSpPr>
         <p:spPr>
           <a:xfrm>
-            <a:off x="5003480" y="6223157"/>
+            <a:off x="7436711" y="6390421"/>
             <a:ext cx="1664898" cy="369332"/>
           </a:xfrm>
           <a:prstGeom prst="rect">
@@ -4741,10 +4729,10 @@
       </p:sp>
       <p:sp>
         <p:nvSpPr>
-          <p:cNvPr id="12" name="TextBox 11">
-            <a:extLst>
-              <a:ext uri="{FF2B5EF4-FFF2-40B4-BE49-F238E27FC236}">
-                <a16:creationId xmlns:a16="http://schemas.microsoft.com/office/drawing/2014/main" id="{55D156DC-49CB-4B97-26CA-106E03C2C05C}"/>
+          <p:cNvPr id="28" name="TextBox 27">
+            <a:extLst>
+              <a:ext uri="{FF2B5EF4-FFF2-40B4-BE49-F238E27FC236}">
+                <a16:creationId xmlns:a16="http://schemas.microsoft.com/office/drawing/2014/main" id="{0DB907A8-D207-D16D-95C5-EEE8CFAF2549}"/>
               </a:ext>
             </a:extLst>
           </p:cNvPr>
@@ -4753,7 +4741,7 @@
         </p:nvSpPr>
         <p:spPr>
           <a:xfrm>
-            <a:off x="2242435" y="6211136"/>
+            <a:off x="4221333" y="6335930"/>
             <a:ext cx="1664898" cy="369332"/>
           </a:xfrm>
           <a:prstGeom prst="rect">
@@ -4778,10 +4766,10 @@
       </p:sp>
       <p:sp>
         <p:nvSpPr>
-          <p:cNvPr id="13" name="TextBox 12">
-            <a:extLst>
-              <a:ext uri="{FF2B5EF4-FFF2-40B4-BE49-F238E27FC236}">
-                <a16:creationId xmlns:a16="http://schemas.microsoft.com/office/drawing/2014/main" id="{2DF9E534-2554-AE1F-0C5D-D50951D5315F}"/>
+          <p:cNvPr id="25" name="TextBox 24">
+            <a:extLst>
+              <a:ext uri="{FF2B5EF4-FFF2-40B4-BE49-F238E27FC236}">
+                <a16:creationId xmlns:a16="http://schemas.microsoft.com/office/drawing/2014/main" id="{05AE0AA7-0353-47EE-5736-C1EBD6E4CAFE}"/>
               </a:ext>
             </a:extLst>
           </p:cNvPr>
@@ -4790,7 +4778,7 @@
         </p:nvSpPr>
         <p:spPr>
           <a:xfrm>
-            <a:off x="7606042" y="6223157"/>
+            <a:off x="1208631" y="6357825"/>
             <a:ext cx="1664898" cy="369332"/>
           </a:xfrm>
           <a:prstGeom prst="rect">
@@ -4813,10 +4801,127 @@
           </a:p>
         </p:txBody>
       </p:sp>
+      <p:sp>
+        <p:nvSpPr>
+          <p:cNvPr id="38" name="TextBox 37">
+            <a:extLst>
+              <a:ext uri="{FF2B5EF4-FFF2-40B4-BE49-F238E27FC236}">
+                <a16:creationId xmlns:a16="http://schemas.microsoft.com/office/drawing/2014/main" id="{3617C375-64D4-1232-EB13-119D88D20A19}"/>
+              </a:ext>
+            </a:extLst>
+          </p:cNvPr>
+          <p:cNvSpPr txBox="1"/>
+          <p:nvPr/>
+        </p:nvSpPr>
+        <p:spPr>
+          <a:xfrm>
+            <a:off x="1018281" y="1118718"/>
+            <a:ext cx="1992702" cy="369332"/>
+          </a:xfrm>
+          <a:prstGeom prst="rect">
+            <a:avLst/>
+          </a:prstGeom>
+          <a:noFill/>
+        </p:spPr>
+        <p:txBody>
+          <a:bodyPr wrap="square" rtlCol="0">
+            <a:spAutoFit/>
+          </a:bodyPr>
+          <a:lstStyle/>
+          <a:p>
+            <a:r>
+              <a:rPr lang="en-US" dirty="0" err="1"/>
+              <a:t>F_c</a:t>
+            </a:r>
+            <a:r>
+              <a:rPr lang="en-US" dirty="0"/>
+              <a:t>=0.03Omega</a:t>
+            </a:r>
+          </a:p>
+        </p:txBody>
+      </p:sp>
+      <p:sp>
+        <p:nvSpPr>
+          <p:cNvPr id="39" name="TextBox 38">
+            <a:extLst>
+              <a:ext uri="{FF2B5EF4-FFF2-40B4-BE49-F238E27FC236}">
+                <a16:creationId xmlns:a16="http://schemas.microsoft.com/office/drawing/2014/main" id="{03CF2D6B-2B70-FF2D-188C-DCEA6CDA184B}"/>
+              </a:ext>
+            </a:extLst>
+          </p:cNvPr>
+          <p:cNvSpPr txBox="1"/>
+          <p:nvPr/>
+        </p:nvSpPr>
+        <p:spPr>
+          <a:xfrm>
+            <a:off x="4202327" y="1112575"/>
+            <a:ext cx="1992702" cy="369332"/>
+          </a:xfrm>
+          <a:prstGeom prst="rect">
+            <a:avLst/>
+          </a:prstGeom>
+          <a:noFill/>
+        </p:spPr>
+        <p:txBody>
+          <a:bodyPr wrap="square" rtlCol="0">
+            <a:spAutoFit/>
+          </a:bodyPr>
+          <a:lstStyle/>
+          <a:p>
+            <a:r>
+              <a:rPr lang="en-US" dirty="0" err="1"/>
+              <a:t>F_c</a:t>
+            </a:r>
+            <a:r>
+              <a:rPr lang="en-US" dirty="0"/>
+              <a:t>=0.1Omega</a:t>
+            </a:r>
+          </a:p>
+        </p:txBody>
+      </p:sp>
+      <p:sp>
+        <p:nvSpPr>
+          <p:cNvPr id="40" name="TextBox 39">
+            <a:extLst>
+              <a:ext uri="{FF2B5EF4-FFF2-40B4-BE49-F238E27FC236}">
+                <a16:creationId xmlns:a16="http://schemas.microsoft.com/office/drawing/2014/main" id="{20996A8C-3CA8-0F88-1ED0-BEE3AC2E0472}"/>
+              </a:ext>
+            </a:extLst>
+          </p:cNvPr>
+          <p:cNvSpPr txBox="1"/>
+          <p:nvPr/>
+        </p:nvSpPr>
+        <p:spPr>
+          <a:xfrm>
+            <a:off x="7272809" y="1112575"/>
+            <a:ext cx="1992702" cy="369332"/>
+          </a:xfrm>
+          <a:prstGeom prst="rect">
+            <a:avLst/>
+          </a:prstGeom>
+          <a:noFill/>
+        </p:spPr>
+        <p:txBody>
+          <a:bodyPr wrap="square" rtlCol="0">
+            <a:spAutoFit/>
+          </a:bodyPr>
+          <a:lstStyle/>
+          <a:p>
+            <a:r>
+              <a:rPr lang="en-US" dirty="0" err="1"/>
+              <a:t>F_c</a:t>
+            </a:r>
+            <a:r>
+              <a:rPr lang="en-US" dirty="0"/>
+              <a:t>=0.2Omega</a:t>
+            </a:r>
+          </a:p>
+        </p:txBody>
+      </p:sp>
     </p:spTree>
     <p:extLst>
       <p:ext uri="{BB962C8B-B14F-4D97-AF65-F5344CB8AC3E}">
-        <p14:creationId xmlns:p14="http://schemas.microsoft.com/office/powerpoint/2010/main" val="4121244782"/>
+        <p14:creationId xmlns:p14="http://schemas.microsoft.com/office/powerpoint/2010/main" val="3153339317"/>
       </p:ext>
     </p:extLst>
   </p:cSld>
